--- a/ML/ml_deck.pptx
+++ b/ML/ml_deck.pptx
@@ -5202,7 +5202,7 @@
         <p:spPr>
           <a:xfrm>
             <a:off x="1625176" y="2636912"/>
-            <a:ext cx="8285660" cy="3600986"/>
+            <a:ext cx="9077748" cy="3600986"/>
           </a:xfrm>
           <a:prstGeom prst="rect">
             <a:avLst/>
@@ -5410,7 +5410,7 @@
                 </a:solidFill>
                 <a:hlinkClick r:id="rId5"/>
               </a:rPr>
-              <a:t>https://www.github.com/dcolley99/public-repo/ML</a:t>
+              <a:t>https://github.com/dcolley99/public-repo/tree/master/ML</a:t>
             </a:r>
             <a:r>
               <a:rPr lang="en-US" sz="2000" dirty="0">
@@ -11643,15 +11643,6 @@
 </file>
 
 <file path=customXml/item1.xml><?xml version="1.0" encoding="utf-8"?>
-<?mso-contentType ?>
-<FormTemplates xmlns="http://schemas.microsoft.com/sharepoint/v3/contenttype/forms">
-  <Display>DocumentLibraryForm</Display>
-  <Edit>AssetEditForm</Edit>
-  <New>DocumentLibraryForm</New>
-</FormTemplates>
-</file>
-
-<file path=customXml/item2.xml><?xml version="1.0" encoding="utf-8"?>
 <p:properties xmlns:p="http://schemas.microsoft.com/office/2006/metadata/properties" xmlns:xsi="http://www.w3.org/2001/XMLSchema-instance" xmlns:pc="http://schemas.microsoft.com/office/infopath/2007/PartnerControls">
   <documentManagement>
     <LocPublishedLinkedAssetsLookup xmlns="4873beb7-5857-4685-be1f-d57550cc96cc" xsi:nil="true"/>
@@ -11787,7 +11778,7 @@
 </p:properties>
 </file>
 
-<file path=customXml/item3.xml><?xml version="1.0" encoding="utf-8"?>
+<file path=customXml/item2.xml><?xml version="1.0" encoding="utf-8"?>
 <ct:contentTypeSchema xmlns:ct="http://schemas.microsoft.com/office/2006/metadata/contentType" xmlns:ma="http://schemas.microsoft.com/office/2006/metadata/properties/metaAttributes" ct:_="" ma:_="" ma:contentTypeName="TemplateFile" ma:contentTypeID="0x0101006EDDDB5EE6D98C44930B742096920B300400F5B6D36B3EF94B4E9A635CDF2A18F5B8" ma:contentTypeVersion="72" ma:contentTypeDescription="Create a new document." ma:contentTypeScope="" ma:versionID="a23e56308344d904b51738559c3d67c9">
   <xsd:schema xmlns:xsd="http://www.w3.org/2001/XMLSchema" xmlns:xs="http://www.w3.org/2001/XMLSchema" xmlns:p="http://schemas.microsoft.com/office/2006/metadata/properties" xmlns:ns2="4873beb7-5857-4685-be1f-d57550cc96cc" targetNamespace="http://schemas.microsoft.com/office/2006/metadata/properties" ma:root="true" ma:fieldsID="cd0908cc4600e77bf5da051303e00c8d" ns2:_="">
     <xsd:import namespace="4873beb7-5857-4685-be1f-d57550cc96cc"/>
@@ -12827,31 +12818,32 @@
 </ct:contentTypeSchema>
 </file>
 
-<file path=customXml/itemProps1.xml><?xml version="1.0" encoding="utf-8"?>
-<ds:datastoreItem xmlns:ds="http://schemas.openxmlformats.org/officeDocument/2006/customXml" ds:itemID="{3836F65B-1B07-41EE-A0E8-BC6EF3855225}">
-  <ds:schemaRefs>
-    <ds:schemaRef ds:uri="http://schemas.microsoft.com/sharepoint/v3/contenttype/forms"/>
-  </ds:schemaRefs>
-</ds:datastoreItem>
+<file path=customXml/item3.xml><?xml version="1.0" encoding="utf-8"?>
+<?mso-contentType ?>
+<FormTemplates xmlns="http://schemas.microsoft.com/sharepoint/v3/contenttype/forms">
+  <Display>DocumentLibraryForm</Display>
+  <Edit>AssetEditForm</Edit>
+  <New>DocumentLibraryForm</New>
+</FormTemplates>
 </file>
 
-<file path=customXml/itemProps2.xml><?xml version="1.0" encoding="utf-8"?>
+<file path=customXml/itemProps1.xml><?xml version="1.0" encoding="utf-8"?>
 <ds:datastoreItem xmlns:ds="http://schemas.openxmlformats.org/officeDocument/2006/customXml" ds:itemID="{60C67BEE-D13F-4BD2-98A5-34D8A0977F68}">
   <ds:schemaRefs>
     <ds:schemaRef ds:uri="http://purl.org/dc/terms/"/>
     <ds:schemaRef ds:uri="4873beb7-5857-4685-be1f-d57550cc96cc"/>
-    <ds:schemaRef ds:uri="http://schemas.openxmlformats.org/package/2006/metadata/core-properties"/>
     <ds:schemaRef ds:uri="http://schemas.microsoft.com/office/2006/documentManagement/types"/>
+    <ds:schemaRef ds:uri="http://schemas.microsoft.com/office/infopath/2007/PartnerControls"/>
     <ds:schemaRef ds:uri="http://schemas.microsoft.com/office/2006/metadata/properties"/>
     <ds:schemaRef ds:uri="http://purl.org/dc/elements/1.1/"/>
-    <ds:schemaRef ds:uri="http://schemas.microsoft.com/office/infopath/2007/PartnerControls"/>
+    <ds:schemaRef ds:uri="http://schemas.openxmlformats.org/package/2006/metadata/core-properties"/>
     <ds:schemaRef ds:uri="http://www.w3.org/XML/1998/namespace"/>
     <ds:schemaRef ds:uri="http://purl.org/dc/dcmitype/"/>
   </ds:schemaRefs>
 </ds:datastoreItem>
 </file>
 
-<file path=customXml/itemProps3.xml><?xml version="1.0" encoding="utf-8"?>
+<file path=customXml/itemProps2.xml><?xml version="1.0" encoding="utf-8"?>
 <ds:datastoreItem xmlns:ds="http://schemas.openxmlformats.org/officeDocument/2006/customXml" ds:itemID="{A09BF4D4-EF60-4196-BFC3-9462D607978C}">
   <ds:schemaRefs>
     <ds:schemaRef ds:uri="http://schemas.microsoft.com/office/2006/metadata/contentType"/>
@@ -12867,4 +12859,12 @@
     <ds:schemaRef ds:uri="http://schemas.microsoft.com/internal/obd"/>
   </ds:schemaRefs>
 </ds:datastoreItem>
+</file>
+
+<file path=customXml/itemProps3.xml><?xml version="1.0" encoding="utf-8"?>
+<ds:datastoreItem xmlns:ds="http://schemas.openxmlformats.org/officeDocument/2006/customXml" ds:itemID="{3836F65B-1B07-41EE-A0E8-BC6EF3855225}">
+  <ds:schemaRefs>
+    <ds:schemaRef ds:uri="http://schemas.microsoft.com/sharepoint/v3/contenttype/forms"/>
+  </ds:schemaRefs>
+</ds:datastoreItem>
 </file>